--- a/教学课件/18.第十八课  项目管理之Git.pptx
+++ b/教学课件/18.第十八课  项目管理之Git.pptx
@@ -4761,7 +4761,7 @@
             </a:pPr>
             <a:r>
               <a:rPr lang="zh-CN" altLang="en-US" sz="1300"/>
-              <a:t>	    git checkout -b 新分支 某老分支         =》 基于branch创建新的new_branch</a:t>
+              <a:t>git checkout -b 新分支 某老分支         =》 基于branch创建新的new_branch</a:t>
             </a:r>
             <a:endParaRPr lang="zh-CN" altLang="en-US" sz="1300"/>
           </a:p>
@@ -4773,7 +4773,7 @@
             </a:pPr>
             <a:r>
               <a:rPr lang="zh-CN" altLang="en-US" sz="1300"/>
-              <a:t>	    git checkout 提交ID                                 =》 把某次历史提交记录checkout出来，但无分支信息，切换到其他分支会自动删除</a:t>
+              <a:t> git checkout 提交ID                                 =》 把某次历史提交记录checkout出来，但无分支信息，切换到其他分支会自动删除</a:t>
             </a:r>
             <a:endParaRPr lang="zh-CN" altLang="en-US" sz="1300"/>
           </a:p>
@@ -4785,7 +4785,7 @@
             </a:pPr>
             <a:r>
               <a:rPr lang="zh-CN" altLang="en-US" sz="1300"/>
-              <a:t>               git checkout 提交ID -b &lt;new_branch&gt; =》 把某次历史提交记录checkout出来，创建成一个分支</a:t>
+              <a:t> git checkout 提交ID -b &lt;new_branch&gt; =》 把某次历史提交记录checkout出来，创建成一个分支</a:t>
             </a:r>
             <a:endParaRPr lang="zh-CN" altLang="en-US" sz="1300"/>
           </a:p>
@@ -4821,7 +4821,7 @@
             </a:pPr>
             <a:r>
               <a:rPr lang="zh-CN" altLang="en-US" sz="1300"/>
-              <a:t>	    git merge --no-ff -m "说明" 分支名  =》 禁用快速合并模式（快速模式下，删除分支后会遗失该分支的所有信息）</a:t>
+              <a:t> git merge --no-ff -m "说明" 分支名  =》 禁用快速合并模式（快速模式下，删除分支后会遗失该分支的所有信息）</a:t>
             </a:r>
             <a:endParaRPr lang="zh-CN" altLang="en-US" sz="1300"/>
           </a:p>
@@ -4833,7 +4833,7 @@
             </a:pPr>
             <a:r>
               <a:rPr lang="zh-CN" altLang="en-US" sz="1300"/>
-              <a:t>	    git merge origin/master                      =》 将远程主分支合并到本地当前分支</a:t>
+              <a:t>   git merge origin/master                      =》 将远程主分支合并到本地当前分支</a:t>
             </a:r>
             <a:endParaRPr lang="zh-CN" altLang="en-US" sz="1300"/>
           </a:p>

--- a/教学课件/18.第十八课  项目管理之Git.pptx
+++ b/教学课件/18.第十八课  项目管理之Git.pptx
@@ -5685,7 +5685,7 @@
         </p:blipFill>
         <p:spPr>
           <a:xfrm>
-            <a:off x="3473450" y="3683000"/>
+            <a:off x="3444875" y="3683000"/>
             <a:ext cx="5942330" cy="3175000"/>
           </a:xfrm>
           <a:prstGeom prst="rect">

--- a/教学课件/18.第十八课  项目管理之Git.pptx
+++ b/教学课件/18.第十八课  项目管理之Git.pptx
@@ -3512,15 +3512,7 @@
                   <a:srgbClr val="FF0000"/>
                 </a:solidFill>
               </a:rPr>
-              <a:t>强制</a:t>
-            </a:r>
-            <a:r>
-              <a:rPr lang="zh-CN" altLang="en-US" sz="1800">
-                <a:solidFill>
-                  <a:srgbClr val="FF0000"/>
-                </a:solidFill>
-              </a:rPr>
-              <a:t>拉取回滚内容</a:t>
+              <a:t>强制拉取回滚内容</a:t>
             </a:r>
             <a:endParaRPr lang="zh-CN" altLang="en-US" sz="1800">
               <a:solidFill>
@@ -3746,7 +3738,7 @@
         </p:nvSpPr>
         <p:spPr>
           <a:xfrm>
-            <a:off x="838200" y="113030"/>
+            <a:off x="838200" y="0"/>
             <a:ext cx="10515600" cy="6631940"/>
           </a:xfrm>
         </p:spPr>
